--- a/presentations/aws_wf_workshops.pptx
+++ b/presentations/aws_wf_workshops.pptx
@@ -5306,13 +5306,7 @@
           <a:ln>
             <a:noFill/>
           </a:ln>
-          <a:effectLst>
-            <a:innerShdw blurRad="63500" dist="50800" dir="13500000">
-              <a:prstClr val="black">
-                <a:alpha val="50000"/>
-              </a:prstClr>
-            </a:innerShdw>
-          </a:effectLst>
+          <a:effectLst/>
           <a:extLst>
             <a:ext uri="{909E8E84-426E-40DD-AFC4-6F175D3DCCD1}">
               <a14:hiddenFill xmlns:a14="http://schemas.microsoft.com/office/drawing/2010/main">
@@ -7523,7 +7517,7 @@
       </p:pic>
       <p:pic>
         <p:nvPicPr>
-          <p:cNvPr id="3074" name="Picture 2"/>
+          <p:cNvPr id="1030" name="Picture 6"/>
           <p:cNvPicPr>
             <a:picLocks noChangeAspect="1" noChangeArrowheads="1"/>
           </p:cNvPicPr>
@@ -7544,8 +7538,8 @@
         </p:blipFill>
         <p:spPr bwMode="auto">
           <a:xfrm>
-            <a:off x="467544" y="2636912"/>
-            <a:ext cx="3295650" cy="3095625"/>
+            <a:off x="317602" y="2552700"/>
+            <a:ext cx="2219325" cy="876300"/>
           </a:xfrm>
           <a:prstGeom prst="rect">
             <a:avLst/>
@@ -7577,7 +7571,7 @@
       </p:pic>
       <p:pic>
         <p:nvPicPr>
-          <p:cNvPr id="6" name="Picture 2"/>
+          <p:cNvPr id="1029" name="Picture 5"/>
           <p:cNvPicPr>
             <a:picLocks noChangeAspect="1" noChangeArrowheads="1"/>
           </p:cNvPicPr>
@@ -7598,8 +7592,62 @@
         </p:blipFill>
         <p:spPr bwMode="auto">
           <a:xfrm>
-            <a:off x="4067944" y="2924944"/>
-            <a:ext cx="4752528" cy="3684044"/>
+            <a:off x="350540" y="3573016"/>
+            <a:ext cx="2781300" cy="2019300"/>
+          </a:xfrm>
+          <a:prstGeom prst="rect">
+            <a:avLst/>
+          </a:prstGeom>
+          <a:noFill/>
+          <a:ln>
+            <a:noFill/>
+          </a:ln>
+          <a:extLst>
+            <a:ext uri="{909E8E84-426E-40DD-AFC4-6F175D3DCCD1}">
+              <a14:hiddenFill xmlns:a14="http://schemas.microsoft.com/office/drawing/2010/main">
+                <a:solidFill>
+                  <a:schemeClr val="accent1"/>
+                </a:solidFill>
+              </a14:hiddenFill>
+            </a:ext>
+            <a:ext uri="{91240B29-F687-4F45-9708-019B960494DF}">
+              <a14:hiddenLine xmlns:a14="http://schemas.microsoft.com/office/drawing/2010/main" w="9525">
+                <a:solidFill>
+                  <a:schemeClr val="tx1"/>
+                </a:solidFill>
+                <a:miter lim="800000"/>
+                <a:headEnd/>
+                <a:tailEnd/>
+              </a14:hiddenLine>
+            </a:ext>
+          </a:extLst>
+        </p:spPr>
+      </p:pic>
+      <p:pic>
+        <p:nvPicPr>
+          <p:cNvPr id="1031" name="Picture 7"/>
+          <p:cNvPicPr>
+            <a:picLocks noChangeAspect="1" noChangeArrowheads="1"/>
+          </p:cNvPicPr>
+          <p:nvPr/>
+        </p:nvPicPr>
+        <p:blipFill>
+          <a:blip r:embed="rId6">
+            <a:extLst>
+              <a:ext uri="{28A0092B-C50C-407E-A947-70E740481C1C}">
+                <a14:useLocalDpi xmlns:a14="http://schemas.microsoft.com/office/drawing/2010/main" val="0"/>
+              </a:ext>
+            </a:extLst>
+          </a:blip>
+          <a:srcRect/>
+          <a:stretch>
+            <a:fillRect/>
+          </a:stretch>
+        </p:blipFill>
+        <p:spPr bwMode="auto">
+          <a:xfrm>
+            <a:off x="3257007" y="2990850"/>
+            <a:ext cx="5563465" cy="3477166"/>
           </a:xfrm>
           <a:prstGeom prst="rect">
             <a:avLst/>
@@ -7931,11 +7979,7 @@
           <a:p>
             <a:r>
               <a:rPr lang="en-US" sz="2400" dirty="0" smtClean="0"/>
-              <a:t>Build and run your own Data Processing flow using the distributed, independent remote </a:t>
-            </a:r>
-            <a:r>
-              <a:rPr lang="en-US" sz="2400" dirty="0" smtClean="0"/>
-              <a:t>services</a:t>
+              <a:t>Build and run your own Data Processing flow using the distributed, independent remote services</a:t>
             </a:r>
           </a:p>
           <a:p>

--- a/presentations/aws_wf_workshops.pptx
+++ b/presentations/aws_wf_workshops.pptx
@@ -213,7 +213,7 @@
           <a:p>
             <a:fld id="{79EEFFEF-F53E-4369-8273-76E7C521D6C6}" type="datetimeFigureOut">
               <a:rPr lang="pl-PL" smtClean="0"/>
-              <a:t>2014-09-20</a:t>
+              <a:t>2014-09-22</a:t>
             </a:fld>
             <a:endParaRPr lang="pl-PL"/>
           </a:p>
@@ -1586,7 +1586,7 @@
           <a:p>
             <a:fld id="{457CC8CD-1B12-42F7-8F2A-8D88273D1FDC}" type="datetimeFigureOut">
               <a:rPr lang="pl-PL" smtClean="0"/>
-              <a:t>2014-09-20</a:t>
+              <a:t>2014-09-22</a:t>
             </a:fld>
             <a:endParaRPr lang="pl-PL"/>
           </a:p>
@@ -1766,7 +1766,7 @@
           <a:p>
             <a:fld id="{457CC8CD-1B12-42F7-8F2A-8D88273D1FDC}" type="datetimeFigureOut">
               <a:rPr lang="pl-PL" smtClean="0"/>
-              <a:t>2014-09-20</a:t>
+              <a:t>2014-09-22</a:t>
             </a:fld>
             <a:endParaRPr lang="pl-PL"/>
           </a:p>
@@ -1936,7 +1936,7 @@
           <a:p>
             <a:fld id="{457CC8CD-1B12-42F7-8F2A-8D88273D1FDC}" type="datetimeFigureOut">
               <a:rPr lang="pl-PL" smtClean="0"/>
-              <a:t>2014-09-20</a:t>
+              <a:t>2014-09-22</a:t>
             </a:fld>
             <a:endParaRPr lang="pl-PL"/>
           </a:p>
@@ -2182,7 +2182,7 @@
           <a:p>
             <a:fld id="{457CC8CD-1B12-42F7-8F2A-8D88273D1FDC}" type="datetimeFigureOut">
               <a:rPr lang="pl-PL" smtClean="0"/>
-              <a:t>2014-09-20</a:t>
+              <a:t>2014-09-22</a:t>
             </a:fld>
             <a:endParaRPr lang="pl-PL"/>
           </a:p>
@@ -2477,7 +2477,7 @@
           <a:p>
             <a:fld id="{457CC8CD-1B12-42F7-8F2A-8D88273D1FDC}" type="datetimeFigureOut">
               <a:rPr lang="pl-PL" smtClean="0"/>
-              <a:t>2014-09-20</a:t>
+              <a:t>2014-09-22</a:t>
             </a:fld>
             <a:endParaRPr lang="pl-PL"/>
           </a:p>
@@ -2906,7 +2906,7 @@
           <a:p>
             <a:fld id="{457CC8CD-1B12-42F7-8F2A-8D88273D1FDC}" type="datetimeFigureOut">
               <a:rPr lang="pl-PL" smtClean="0"/>
-              <a:t>2014-09-20</a:t>
+              <a:t>2014-09-22</a:t>
             </a:fld>
             <a:endParaRPr lang="pl-PL"/>
           </a:p>
@@ -3031,7 +3031,7 @@
           <a:p>
             <a:fld id="{457CC8CD-1B12-42F7-8F2A-8D88273D1FDC}" type="datetimeFigureOut">
               <a:rPr lang="pl-PL" smtClean="0"/>
-              <a:t>2014-09-20</a:t>
+              <a:t>2014-09-22</a:t>
             </a:fld>
             <a:endParaRPr lang="pl-PL"/>
           </a:p>
@@ -3133,7 +3133,7 @@
           <a:p>
             <a:fld id="{457CC8CD-1B12-42F7-8F2A-8D88273D1FDC}" type="datetimeFigureOut">
               <a:rPr lang="pl-PL" smtClean="0"/>
-              <a:t>2014-09-20</a:t>
+              <a:t>2014-09-22</a:t>
             </a:fld>
             <a:endParaRPr lang="pl-PL"/>
           </a:p>
@@ -3410,7 +3410,7 @@
           <a:p>
             <a:fld id="{457CC8CD-1B12-42F7-8F2A-8D88273D1FDC}" type="datetimeFigureOut">
               <a:rPr lang="pl-PL" smtClean="0"/>
-              <a:t>2014-09-20</a:t>
+              <a:t>2014-09-22</a:t>
             </a:fld>
             <a:endParaRPr lang="pl-PL"/>
           </a:p>
@@ -3663,7 +3663,7 @@
           <a:p>
             <a:fld id="{457CC8CD-1B12-42F7-8F2A-8D88273D1FDC}" type="datetimeFigureOut">
               <a:rPr lang="pl-PL" smtClean="0"/>
-              <a:t>2014-09-20</a:t>
+              <a:t>2014-09-22</a:t>
             </a:fld>
             <a:endParaRPr lang="pl-PL"/>
           </a:p>
@@ -3876,7 +3876,7 @@
           <a:p>
             <a:fld id="{457CC8CD-1B12-42F7-8F2A-8D88273D1FDC}" type="datetimeFigureOut">
               <a:rPr lang="pl-PL" smtClean="0"/>
-              <a:t>2014-09-20</a:t>
+              <a:t>2014-09-22</a:t>
             </a:fld>
             <a:endParaRPr lang="pl-PL"/>
           </a:p>
@@ -4987,8 +4987,28 @@
             </a:br>
             <a:r>
               <a:rPr lang="en-US" sz="2400" dirty="0" smtClean="0"/>
-              <a:t>or retrieve the Eclipse project from: s3…</a:t>
-            </a:r>
+              <a:t>or retrieve the Eclipse project </a:t>
+            </a:r>
+            <a:r>
+              <a:rPr lang="en-US" sz="2400" dirty="0" smtClean="0"/>
+              <a:t>from S3: </a:t>
+            </a:r>
+            <a:br>
+              <a:rPr lang="en-US" sz="2400" dirty="0" smtClean="0"/>
+            </a:br>
+            <a:r>
+              <a:rPr lang="pl-PL" sz="2000" dirty="0" err="1" smtClean="0">
+                <a:hlinkClick r:id="rId3" tooltip="https://s3.amazonaws.com/warsjawa-apps/wf-maths-operations.zip"/>
+              </a:rPr>
+              <a:t>warsjawa-apps</a:t>
+            </a:r>
+            <a:r>
+              <a:rPr lang="pl-PL" sz="2000" dirty="0" smtClean="0">
+                <a:hlinkClick r:id="rId3" tooltip="https://s3.amazonaws.com/warsjawa-apps/wf-maths-operations.zip"/>
+              </a:rPr>
+              <a:t>/wf-maths-operations.zip</a:t>
+            </a:r>
+            <a:endParaRPr lang="en-US" sz="2000" dirty="0" smtClean="0"/>
           </a:p>
           <a:p>
             <a:r>
@@ -5024,7 +5044,7 @@
           <p:nvPr/>
         </p:nvPicPr>
         <p:blipFill>
-          <a:blip r:embed="rId3">
+          <a:blip r:embed="rId4">
             <a:extLst>
               <a:ext uri="{28A0092B-C50C-407E-A947-70E740481C1C}">
                 <a14:useLocalDpi xmlns:a14="http://schemas.microsoft.com/office/drawing/2010/main" val="0"/>
@@ -5085,7 +5105,7 @@
           <p:nvPr/>
         </p:nvPicPr>
         <p:blipFill>
-          <a:blip r:embed="rId4">
+          <a:blip r:embed="rId5">
             <a:extLst>
               <a:ext uri="{28A0092B-C50C-407E-A947-70E740481C1C}">
                 <a14:useLocalDpi xmlns:a14="http://schemas.microsoft.com/office/drawing/2010/main" val="0"/>
@@ -5099,7 +5119,7 @@
         </p:blipFill>
         <p:spPr bwMode="auto">
           <a:xfrm>
-            <a:off x="2483768" y="4077072"/>
+            <a:off x="2483768" y="4355524"/>
             <a:ext cx="6336704" cy="2201859"/>
           </a:xfrm>
           <a:prstGeom prst="rect">
@@ -11624,7 +11644,7 @@
         </p:blipFill>
         <p:spPr bwMode="auto">
           <a:xfrm>
-            <a:off x="284881" y="2065215"/>
+            <a:off x="179512" y="2065215"/>
             <a:ext cx="4534742" cy="2135498"/>
           </a:xfrm>
           <a:prstGeom prst="rect">

--- a/presentations/aws_wf_workshops.pptx
+++ b/presentations/aws_wf_workshops.pptx
@@ -5,7 +5,7 @@
     <p:sldMasterId id="2147483648" r:id="rId1"/>
   </p:sldMasterIdLst>
   <p:notesMasterIdLst>
-    <p:notesMasterId r:id="rId24"/>
+    <p:notesMasterId r:id="rId25"/>
   </p:notesMasterIdLst>
   <p:sldIdLst>
     <p:sldId id="256" r:id="rId2"/>
@@ -30,6 +30,7 @@
     <p:sldId id="276" r:id="rId21"/>
     <p:sldId id="269" r:id="rId22"/>
     <p:sldId id="267" r:id="rId23"/>
+    <p:sldId id="279" r:id="rId24"/>
   </p:sldIdLst>
   <p:sldSz cx="9144000" cy="6858000" type="screen4x3"/>
   <p:notesSz cx="6858000" cy="9144000"/>
@@ -213,7 +214,7 @@
           <a:p>
             <a:fld id="{79EEFFEF-F53E-4369-8273-76E7C521D6C6}" type="datetimeFigureOut">
               <a:rPr lang="pl-PL" smtClean="0"/>
-              <a:t>2014-09-22</a:t>
+              <a:t>2014-09-25</a:t>
             </a:fld>
             <a:endParaRPr lang="pl-PL"/>
           </a:p>
@@ -1586,7 +1587,7 @@
           <a:p>
             <a:fld id="{457CC8CD-1B12-42F7-8F2A-8D88273D1FDC}" type="datetimeFigureOut">
               <a:rPr lang="pl-PL" smtClean="0"/>
-              <a:t>2014-09-22</a:t>
+              <a:t>2014-09-25</a:t>
             </a:fld>
             <a:endParaRPr lang="pl-PL"/>
           </a:p>
@@ -1766,7 +1767,7 @@
           <a:p>
             <a:fld id="{457CC8CD-1B12-42F7-8F2A-8D88273D1FDC}" type="datetimeFigureOut">
               <a:rPr lang="pl-PL" smtClean="0"/>
-              <a:t>2014-09-22</a:t>
+              <a:t>2014-09-25</a:t>
             </a:fld>
             <a:endParaRPr lang="pl-PL"/>
           </a:p>
@@ -1936,7 +1937,7 @@
           <a:p>
             <a:fld id="{457CC8CD-1B12-42F7-8F2A-8D88273D1FDC}" type="datetimeFigureOut">
               <a:rPr lang="pl-PL" smtClean="0"/>
-              <a:t>2014-09-22</a:t>
+              <a:t>2014-09-25</a:t>
             </a:fld>
             <a:endParaRPr lang="pl-PL"/>
           </a:p>
@@ -2182,7 +2183,7 @@
           <a:p>
             <a:fld id="{457CC8CD-1B12-42F7-8F2A-8D88273D1FDC}" type="datetimeFigureOut">
               <a:rPr lang="pl-PL" smtClean="0"/>
-              <a:t>2014-09-22</a:t>
+              <a:t>2014-09-25</a:t>
             </a:fld>
             <a:endParaRPr lang="pl-PL"/>
           </a:p>
@@ -2477,7 +2478,7 @@
           <a:p>
             <a:fld id="{457CC8CD-1B12-42F7-8F2A-8D88273D1FDC}" type="datetimeFigureOut">
               <a:rPr lang="pl-PL" smtClean="0"/>
-              <a:t>2014-09-22</a:t>
+              <a:t>2014-09-25</a:t>
             </a:fld>
             <a:endParaRPr lang="pl-PL"/>
           </a:p>
@@ -2906,7 +2907,7 @@
           <a:p>
             <a:fld id="{457CC8CD-1B12-42F7-8F2A-8D88273D1FDC}" type="datetimeFigureOut">
               <a:rPr lang="pl-PL" smtClean="0"/>
-              <a:t>2014-09-22</a:t>
+              <a:t>2014-09-25</a:t>
             </a:fld>
             <a:endParaRPr lang="pl-PL"/>
           </a:p>
@@ -3031,7 +3032,7 @@
           <a:p>
             <a:fld id="{457CC8CD-1B12-42F7-8F2A-8D88273D1FDC}" type="datetimeFigureOut">
               <a:rPr lang="pl-PL" smtClean="0"/>
-              <a:t>2014-09-22</a:t>
+              <a:t>2014-09-25</a:t>
             </a:fld>
             <a:endParaRPr lang="pl-PL"/>
           </a:p>
@@ -3133,7 +3134,7 @@
           <a:p>
             <a:fld id="{457CC8CD-1B12-42F7-8F2A-8D88273D1FDC}" type="datetimeFigureOut">
               <a:rPr lang="pl-PL" smtClean="0"/>
-              <a:t>2014-09-22</a:t>
+              <a:t>2014-09-25</a:t>
             </a:fld>
             <a:endParaRPr lang="pl-PL"/>
           </a:p>
@@ -3410,7 +3411,7 @@
           <a:p>
             <a:fld id="{457CC8CD-1B12-42F7-8F2A-8D88273D1FDC}" type="datetimeFigureOut">
               <a:rPr lang="pl-PL" smtClean="0"/>
-              <a:t>2014-09-22</a:t>
+              <a:t>2014-09-25</a:t>
             </a:fld>
             <a:endParaRPr lang="pl-PL"/>
           </a:p>
@@ -3663,7 +3664,7 @@
           <a:p>
             <a:fld id="{457CC8CD-1B12-42F7-8F2A-8D88273D1FDC}" type="datetimeFigureOut">
               <a:rPr lang="pl-PL" smtClean="0"/>
-              <a:t>2014-09-22</a:t>
+              <a:t>2014-09-25</a:t>
             </a:fld>
             <a:endParaRPr lang="pl-PL"/>
           </a:p>
@@ -3876,7 +3877,7 @@
           <a:p>
             <a:fld id="{457CC8CD-1B12-42F7-8F2A-8D88273D1FDC}" type="datetimeFigureOut">
               <a:rPr lang="pl-PL" smtClean="0"/>
-              <a:t>2014-09-22</a:t>
+              <a:t>2014-09-25</a:t>
             </a:fld>
             <a:endParaRPr lang="pl-PL"/>
           </a:p>
@@ -4987,11 +4988,7 @@
             </a:br>
             <a:r>
               <a:rPr lang="en-US" sz="2400" dirty="0" smtClean="0"/>
-              <a:t>or retrieve the Eclipse project </a:t>
-            </a:r>
-            <a:r>
-              <a:rPr lang="en-US" sz="2400" dirty="0" smtClean="0"/>
-              <a:t>from S3: </a:t>
+              <a:t>or retrieve the Eclipse project from S3: </a:t>
             </a:r>
             <a:br>
               <a:rPr lang="en-US" sz="2400" dirty="0" smtClean="0"/>
@@ -7443,7 +7440,11 @@
           <a:p>
             <a:r>
               <a:rPr lang="en-US" sz="3600" dirty="0" smtClean="0"/>
-              <a:t>Exercise 4. Mix workflow in real</a:t>
+              <a:t>Exercise 4. Mix workflow in </a:t>
+            </a:r>
+            <a:r>
+              <a:rPr lang="en-US" sz="3600" dirty="0" smtClean="0"/>
+              <a:t>action</a:t>
             </a:r>
             <a:endParaRPr lang="pl-PL" sz="3600" dirty="0"/>
           </a:p>
@@ -7914,7 +7915,7 @@
         </p:nvSpPr>
         <p:spPr>
           <a:xfrm rot="1355150">
-            <a:off x="2788368" y="5124541"/>
+            <a:off x="2572344" y="5124540"/>
             <a:ext cx="1296144" cy="720080"/>
           </a:xfrm>
           <a:prstGeom prst="curvedDownArrow">
@@ -7999,7 +8000,15 @@
           <a:p>
             <a:r>
               <a:rPr lang="en-US" sz="2400" dirty="0" smtClean="0"/>
-              <a:t>Build and run your own Data Processing flow using the distributed, independent remote services</a:t>
+              <a:t>Build and run your own Data Processing flow using </a:t>
+            </a:r>
+            <a:r>
+              <a:rPr lang="en-US" sz="2400" dirty="0" smtClean="0"/>
+              <a:t>distributed</a:t>
+            </a:r>
+            <a:r>
+              <a:rPr lang="en-US" sz="2400" dirty="0" smtClean="0"/>
+              <a:t>, independent remote services</a:t>
             </a:r>
           </a:p>
           <a:p>
@@ -8040,12 +8049,30 @@
             </a:br>
             <a:r>
               <a:rPr lang="en-US" sz="2400" dirty="0"/>
-              <a:t>or retrieve the Eclipse project from: s3</a:t>
+              <a:t>or retrieve the Eclipse project from s3</a:t>
             </a:r>
             <a:r>
               <a:rPr lang="en-US" sz="2400" dirty="0" smtClean="0"/>
-              <a:t>…</a:t>
-            </a:r>
+              <a:t>:</a:t>
+            </a:r>
+          </a:p>
+          <a:p>
+            <a:pPr marL="0" indent="0">
+              <a:buNone/>
+            </a:pPr>
+            <a:r>
+              <a:rPr lang="en-US" sz="2400" dirty="0" smtClean="0"/>
+              <a:t>  </a:t>
+            </a:r>
+            <a:r>
+              <a:rPr lang="en-US" sz="2400" dirty="0" err="1" smtClean="0"/>
+              <a:t>warsjawa</a:t>
+            </a:r>
+            <a:r>
+              <a:rPr lang="en-US" sz="2400" dirty="0" smtClean="0"/>
+              <a:t>-apps/exercise-wf-service.zip</a:t>
+            </a:r>
+            <a:endParaRPr lang="en-US" sz="2400" dirty="0" smtClean="0"/>
           </a:p>
           <a:p>
             <a:r>
@@ -8148,8 +8175,8 @@
         </p:blipFill>
         <p:spPr bwMode="auto">
           <a:xfrm>
-            <a:off x="251520" y="4598183"/>
-            <a:ext cx="2602439" cy="1495113"/>
+            <a:off x="683568" y="4869160"/>
+            <a:ext cx="2016224" cy="1158330"/>
           </a:xfrm>
           <a:prstGeom prst="rect">
             <a:avLst/>
@@ -9239,6 +9266,139 @@
       </p:par>
     </p:tnLst>
   </p:timing>
+</p:sld>
+</file>
+
+<file path=ppt/slides/slide23.xml><?xml version="1.0" encoding="utf-8"?>
+<p:sld xmlns:a="http://schemas.openxmlformats.org/drawingml/2006/main" xmlns:r="http://schemas.openxmlformats.org/officeDocument/2006/relationships" xmlns:p="http://schemas.openxmlformats.org/presentationml/2006/main">
+  <p:cSld>
+    <p:spTree>
+      <p:nvGrpSpPr>
+        <p:cNvPr id="1" name=""/>
+        <p:cNvGrpSpPr/>
+        <p:nvPr/>
+      </p:nvGrpSpPr>
+      <p:grpSpPr>
+        <a:xfrm>
+          <a:off x="0" y="0"/>
+          <a:ext cx="0" cy="0"/>
+          <a:chOff x="0" y="0"/>
+          <a:chExt cx="0" cy="0"/>
+        </a:xfrm>
+      </p:grpSpPr>
+      <p:sp>
+        <p:nvSpPr>
+          <p:cNvPr id="2" name="Title 1"/>
+          <p:cNvSpPr>
+            <a:spLocks noGrp="1"/>
+          </p:cNvSpPr>
+          <p:nvPr>
+            <p:ph type="title"/>
+          </p:nvPr>
+        </p:nvSpPr>
+        <p:spPr/>
+        <p:txBody>
+          <a:bodyPr>
+            <a:normAutofit/>
+          </a:bodyPr>
+          <a:lstStyle/>
+          <a:p>
+            <a:r>
+              <a:rPr lang="pl-PL" sz="3600" dirty="0" err="1"/>
+              <a:t>Worker</a:t>
+            </a:r>
+            <a:r>
+              <a:rPr lang="pl-PL" sz="3600" dirty="0"/>
+              <a:t> </a:t>
+            </a:r>
+            <a:r>
+              <a:rPr lang="pl-PL" sz="3600" dirty="0" err="1"/>
+              <a:t>Extensibility</a:t>
+            </a:r>
+            <a:endParaRPr lang="pl-PL" sz="3600" dirty="0"/>
+          </a:p>
+        </p:txBody>
+      </p:sp>
+      <p:sp>
+        <p:nvSpPr>
+          <p:cNvPr id="3" name="Content Placeholder 2"/>
+          <p:cNvSpPr>
+            <a:spLocks noGrp="1"/>
+          </p:cNvSpPr>
+          <p:nvPr>
+            <p:ph idx="1"/>
+          </p:nvPr>
+        </p:nvSpPr>
+        <p:spPr/>
+        <p:txBody>
+          <a:bodyPr>
+            <a:normAutofit/>
+          </a:bodyPr>
+          <a:lstStyle/>
+          <a:p>
+            <a:r>
+              <a:rPr lang="en-US" sz="2400" dirty="0"/>
+              <a:t>The </a:t>
+            </a:r>
+            <a:r>
+              <a:rPr lang="en-US" sz="2400" dirty="0" err="1"/>
+              <a:t>GenericWorkflowWorker</a:t>
+            </a:r>
+            <a:r>
+              <a:rPr lang="en-US" sz="2400" dirty="0"/>
+              <a:t> can be configured with a factory for creating workflow definition </a:t>
+            </a:r>
+            <a:r>
+              <a:rPr lang="en-US" sz="2400" dirty="0" smtClean="0"/>
+              <a:t>factories</a:t>
+            </a:r>
+          </a:p>
+          <a:p>
+            <a:r>
+              <a:rPr lang="en-US" sz="2400" dirty="0"/>
+              <a:t>You may provide your own implementation of the factories by </a:t>
+            </a:r>
+            <a:r>
+              <a:rPr lang="en-US" sz="2400" dirty="0" smtClean="0"/>
+              <a:t>implementing</a:t>
+            </a:r>
+          </a:p>
+          <a:p>
+            <a:pPr lvl="1"/>
+            <a:r>
+              <a:rPr lang="en-US" sz="2000" dirty="0" err="1" smtClean="0"/>
+              <a:t>WorkflowDefinitionFactory</a:t>
+            </a:r>
+            <a:endParaRPr lang="en-US" sz="2000" dirty="0" smtClean="0"/>
+          </a:p>
+          <a:p>
+            <a:pPr lvl="1"/>
+            <a:r>
+              <a:rPr lang="en-US" sz="2000" dirty="0" err="1" smtClean="0"/>
+              <a:t>WorkflowDefinitionFactoryFactory</a:t>
+            </a:r>
+            <a:endParaRPr lang="en-US" sz="2000" dirty="0" smtClean="0"/>
+          </a:p>
+          <a:p>
+            <a:pPr lvl="1"/>
+            <a:r>
+              <a:rPr lang="en-US" sz="2000" dirty="0" err="1" smtClean="0"/>
+              <a:t>WorkflowDefinition</a:t>
+            </a:r>
+            <a:endParaRPr lang="en-US" sz="2000" dirty="0" smtClean="0"/>
+          </a:p>
+        </p:txBody>
+      </p:sp>
+    </p:spTree>
+    <p:extLst>
+      <p:ext uri="{BB962C8B-B14F-4D97-AF65-F5344CB8AC3E}">
+        <p14:creationId xmlns:p14="http://schemas.microsoft.com/office/powerpoint/2010/main" val="2471710682"/>
+      </p:ext>
+    </p:extLst>
+  </p:cSld>
+  <p:clrMapOvr>
+    <a:masterClrMapping/>
+  </p:clrMapOvr>
 </p:sld>
 </file>
 
